--- a/Project 2.pptx
+++ b/Project 2.pptx
@@ -10,7 +10,10 @@
     <p:sldId id="258" r:id="rId4"/>
     <p:sldId id="260" r:id="rId5"/>
     <p:sldId id="259" r:id="rId6"/>
-    <p:sldId id="261" r:id="rId7"/>
+    <p:sldId id="263" r:id="rId7"/>
+    <p:sldId id="264" r:id="rId8"/>
+    <p:sldId id="262" r:id="rId9"/>
+    <p:sldId id="261" r:id="rId10"/>
   </p:sldIdLst>
   <p:sldSz cx="12192000" cy="6858000"/>
   <p:notesSz cx="6858000" cy="9144000"/>
@@ -109,6 +112,11 @@
       </a:defRPr>
     </a:lvl9pPr>
   </p:defaultTextStyle>
+  <p:extLst>
+    <p:ext uri="{EFAFB233-063F-42B5-8137-9DF3F51BA10A}">
+      <p15:sldGuideLst xmlns:p15="http://schemas.microsoft.com/office/powerpoint/2012/main"/>
+    </p:ext>
+  </p:extLst>
 </p:presentation>
 </file>
 
@@ -380,7 +388,7 @@
           <a:p>
             <a:fld id="{FFF2A0F5-BD9E-CF41-91D0-E6D8933A4BC9}" type="datetimeFigureOut">
               <a:rPr lang="en-US" smtClean="0"/>
-              <a:t>6/22/22</a:t>
+              <a:t>6/22/2022</a:t>
             </a:fld>
             <a:endParaRPr lang="en-US"/>
           </a:p>
@@ -578,7 +586,7 @@
           <a:p>
             <a:fld id="{FFF2A0F5-BD9E-CF41-91D0-E6D8933A4BC9}" type="datetimeFigureOut">
               <a:rPr lang="en-US" smtClean="0"/>
-              <a:t>6/22/22</a:t>
+              <a:t>6/22/2022</a:t>
             </a:fld>
             <a:endParaRPr lang="en-US"/>
           </a:p>
@@ -786,7 +794,7 @@
           <a:p>
             <a:fld id="{FFF2A0F5-BD9E-CF41-91D0-E6D8933A4BC9}" type="datetimeFigureOut">
               <a:rPr lang="en-US" smtClean="0"/>
-              <a:t>6/22/22</a:t>
+              <a:t>6/22/2022</a:t>
             </a:fld>
             <a:endParaRPr lang="en-US"/>
           </a:p>
@@ -984,7 +992,7 @@
           <a:p>
             <a:fld id="{FFF2A0F5-BD9E-CF41-91D0-E6D8933A4BC9}" type="datetimeFigureOut">
               <a:rPr lang="en-US" smtClean="0"/>
-              <a:t>6/22/22</a:t>
+              <a:t>6/22/2022</a:t>
             </a:fld>
             <a:endParaRPr lang="en-US"/>
           </a:p>
@@ -1259,7 +1267,7 @@
           <a:p>
             <a:fld id="{FFF2A0F5-BD9E-CF41-91D0-E6D8933A4BC9}" type="datetimeFigureOut">
               <a:rPr lang="en-US" smtClean="0"/>
-              <a:t>6/22/22</a:t>
+              <a:t>6/22/2022</a:t>
             </a:fld>
             <a:endParaRPr lang="en-US"/>
           </a:p>
@@ -1524,7 +1532,7 @@
           <a:p>
             <a:fld id="{FFF2A0F5-BD9E-CF41-91D0-E6D8933A4BC9}" type="datetimeFigureOut">
               <a:rPr lang="en-US" smtClean="0"/>
-              <a:t>6/22/22</a:t>
+              <a:t>6/22/2022</a:t>
             </a:fld>
             <a:endParaRPr lang="en-US"/>
           </a:p>
@@ -1936,7 +1944,7 @@
           <a:p>
             <a:fld id="{FFF2A0F5-BD9E-CF41-91D0-E6D8933A4BC9}" type="datetimeFigureOut">
               <a:rPr lang="en-US" smtClean="0"/>
-              <a:t>6/22/22</a:t>
+              <a:t>6/22/2022</a:t>
             </a:fld>
             <a:endParaRPr lang="en-US"/>
           </a:p>
@@ -2077,7 +2085,7 @@
           <a:p>
             <a:fld id="{FFF2A0F5-BD9E-CF41-91D0-E6D8933A4BC9}" type="datetimeFigureOut">
               <a:rPr lang="en-US" smtClean="0"/>
-              <a:t>6/22/22</a:t>
+              <a:t>6/22/2022</a:t>
             </a:fld>
             <a:endParaRPr lang="en-US"/>
           </a:p>
@@ -2190,7 +2198,7 @@
           <a:p>
             <a:fld id="{FFF2A0F5-BD9E-CF41-91D0-E6D8933A4BC9}" type="datetimeFigureOut">
               <a:rPr lang="en-US" smtClean="0"/>
-              <a:t>6/22/22</a:t>
+              <a:t>6/22/2022</a:t>
             </a:fld>
             <a:endParaRPr lang="en-US"/>
           </a:p>
@@ -2501,7 +2509,7 @@
           <a:p>
             <a:fld id="{FFF2A0F5-BD9E-CF41-91D0-E6D8933A4BC9}" type="datetimeFigureOut">
               <a:rPr lang="en-US" smtClean="0"/>
-              <a:t>6/22/22</a:t>
+              <a:t>6/22/2022</a:t>
             </a:fld>
             <a:endParaRPr lang="en-US"/>
           </a:p>
@@ -2789,7 +2797,7 @@
           <a:p>
             <a:fld id="{FFF2A0F5-BD9E-CF41-91D0-E6D8933A4BC9}" type="datetimeFigureOut">
               <a:rPr lang="en-US" smtClean="0"/>
-              <a:t>6/22/22</a:t>
+              <a:t>6/22/2022</a:t>
             </a:fld>
             <a:endParaRPr lang="en-US"/>
           </a:p>
@@ -3030,7 +3038,7 @@
           <a:p>
             <a:fld id="{FFF2A0F5-BD9E-CF41-91D0-E6D8933A4BC9}" type="datetimeFigureOut">
               <a:rPr lang="en-US" smtClean="0"/>
-              <a:t>6/22/22</a:t>
+              <a:t>6/22/2022</a:t>
             </a:fld>
             <a:endParaRPr lang="en-US"/>
           </a:p>
@@ -3927,7 +3935,43 @@
           <a:bodyPr/>
           <a:lstStyle/>
           <a:p>
-            <a:endParaRPr lang="en-US"/>
+            <a:pPr algn="l"/>
+            <a:r>
+              <a:rPr lang="en-US" b="0" i="0" dirty="0">
+                <a:solidFill>
+                  <a:srgbClr val="222222"/>
+                </a:solidFill>
+                <a:effectLst/>
+                <a:latin typeface="Lato" panose="020F0502020204030203" pitchFamily="34" charset="0"/>
+              </a:rPr>
+              <a:t>LSTM is very sensitive to the scale of the data, Here the scale of the Close value is in a kind of scale, we should always try to transform the value.</a:t>
+            </a:r>
+          </a:p>
+          <a:p>
+            <a:pPr algn="l"/>
+            <a:r>
+              <a:rPr lang="en-US" b="0" i="0" dirty="0">
+                <a:solidFill>
+                  <a:srgbClr val="222222"/>
+                </a:solidFill>
+                <a:effectLst/>
+                <a:latin typeface="Lato" panose="020F0502020204030203" pitchFamily="34" charset="0"/>
+              </a:rPr>
+              <a:t>Here we will use min-max scalar to transform the values from 0 to 1.We should reshape so that we can use fit transform.</a:t>
+            </a:r>
+          </a:p>
+          <a:p>
+            <a:r>
+              <a:rPr lang="en-US" b="0" i="0" dirty="0">
+                <a:solidFill>
+                  <a:srgbClr val="222222"/>
+                </a:solidFill>
+                <a:effectLst/>
+                <a:latin typeface="Lato" panose="020F0502020204030203" pitchFamily="34" charset="0"/>
+              </a:rPr>
+              <a:t>Always remember that in time-series data the one data is dependent on other data. The training size should be 65% of the total length of the data frame, the test size should be the difference between the length of the dataset and the training size.</a:t>
+            </a:r>
+            <a:endParaRPr lang="en-US" dirty="0"/>
           </a:p>
         </p:txBody>
       </p:sp>
@@ -3945,6 +3989,366 @@
 </file>
 
 <file path=ppt/slides/slide6.xml><?xml version="1.0" encoding="utf-8"?>
+<p:sld xmlns:a="http://schemas.openxmlformats.org/drawingml/2006/main" xmlns:r="http://schemas.openxmlformats.org/officeDocument/2006/relationships" xmlns:p="http://schemas.openxmlformats.org/presentationml/2006/main">
+  <p:cSld>
+    <p:spTree>
+      <p:nvGrpSpPr>
+        <p:cNvPr id="1" name=""/>
+        <p:cNvGrpSpPr/>
+        <p:nvPr/>
+      </p:nvGrpSpPr>
+      <p:grpSpPr>
+        <a:xfrm>
+          <a:off x="0" y="0"/>
+          <a:ext cx="0" cy="0"/>
+          <a:chOff x="0" y="0"/>
+          <a:chExt cx="0" cy="0"/>
+        </a:xfrm>
+      </p:grpSpPr>
+      <p:sp>
+        <p:nvSpPr>
+          <p:cNvPr id="2" name="Title 1">
+            <a:extLst>
+              <a:ext uri="{FF2B5EF4-FFF2-40B4-BE49-F238E27FC236}">
+                <a16:creationId xmlns:a16="http://schemas.microsoft.com/office/drawing/2014/main" id="{4B6AC9F8-D7B7-7366-7AE3-C4662BA62C87}"/>
+              </a:ext>
+            </a:extLst>
+          </p:cNvPr>
+          <p:cNvSpPr>
+            <a:spLocks noGrp="1"/>
+          </p:cNvSpPr>
+          <p:nvPr>
+            <p:ph type="title"/>
+          </p:nvPr>
+        </p:nvSpPr>
+        <p:spPr/>
+        <p:txBody>
+          <a:bodyPr/>
+          <a:lstStyle/>
+          <a:p>
+            <a:r>
+              <a:rPr lang="en-US" dirty="0"/>
+              <a:t>How this app works:</a:t>
+            </a:r>
+            <a:endParaRPr lang="en-CA" dirty="0"/>
+          </a:p>
+        </p:txBody>
+      </p:sp>
+      <p:sp>
+        <p:nvSpPr>
+          <p:cNvPr id="3" name="Content Placeholder 2">
+            <a:extLst>
+              <a:ext uri="{FF2B5EF4-FFF2-40B4-BE49-F238E27FC236}">
+                <a16:creationId xmlns:a16="http://schemas.microsoft.com/office/drawing/2014/main" id="{22F48608-23A9-06E0-B5BB-549C0B69B2C2}"/>
+              </a:ext>
+            </a:extLst>
+          </p:cNvPr>
+          <p:cNvSpPr>
+            <a:spLocks noGrp="1"/>
+          </p:cNvSpPr>
+          <p:nvPr>
+            <p:ph idx="1"/>
+          </p:nvPr>
+        </p:nvSpPr>
+        <p:spPr/>
+        <p:txBody>
+          <a:bodyPr>
+            <a:normAutofit fontScale="85000" lnSpcReduction="20000"/>
+          </a:bodyPr>
+          <a:lstStyle/>
+          <a:p>
+            <a:pPr algn="l"/>
+            <a:r>
+              <a:rPr lang="en-US" b="0" i="0" dirty="0">
+                <a:solidFill>
+                  <a:srgbClr val="222222"/>
+                </a:solidFill>
+                <a:effectLst/>
+                <a:latin typeface="Lato" panose="020F0502020204030203" pitchFamily="34" charset="0"/>
+              </a:rPr>
+              <a:t>LSTMs are widely used for sequence prediction problems and have proven to be extremely effective. The reason they work so well is that LSTM can store past important information and forget the information that is not.</a:t>
+            </a:r>
+          </a:p>
+          <a:p>
+            <a:pPr algn="l"/>
+            <a:r>
+              <a:rPr lang="en-US" b="0" i="0" dirty="0">
+                <a:solidFill>
+                  <a:srgbClr val="222222"/>
+                </a:solidFill>
+                <a:effectLst/>
+                <a:latin typeface="Lato" panose="020F0502020204030203" pitchFamily="34" charset="0"/>
+              </a:rPr>
+              <a:t>LSTM has three gates:</a:t>
+            </a:r>
+          </a:p>
+          <a:p>
+            <a:pPr algn="l">
+              <a:buFont typeface="Arial" panose="020B0604020202020204" pitchFamily="34" charset="0"/>
+              <a:buChar char="•"/>
+            </a:pPr>
+            <a:r>
+              <a:rPr lang="en-US" b="0" i="0" dirty="0">
+                <a:solidFill>
+                  <a:srgbClr val="222222"/>
+                </a:solidFill>
+                <a:effectLst/>
+                <a:latin typeface="Lato" panose="020F0502020204030203" pitchFamily="34" charset="0"/>
+              </a:rPr>
+              <a:t>The input gate: The input gate adds information to the cell state,</a:t>
+            </a:r>
+          </a:p>
+          <a:p>
+            <a:pPr algn="l">
+              <a:buFont typeface="Arial" panose="020B0604020202020204" pitchFamily="34" charset="0"/>
+              <a:buChar char="•"/>
+            </a:pPr>
+            <a:r>
+              <a:rPr lang="en-US" b="0" i="0" dirty="0">
+                <a:solidFill>
+                  <a:srgbClr val="222222"/>
+                </a:solidFill>
+                <a:effectLst/>
+                <a:latin typeface="Lato" panose="020F0502020204030203" pitchFamily="34" charset="0"/>
+              </a:rPr>
+              <a:t>The forget gate: It removes the information that is no longer required by the model,</a:t>
+            </a:r>
+          </a:p>
+          <a:p>
+            <a:pPr algn="l">
+              <a:buFont typeface="Arial" panose="020B0604020202020204" pitchFamily="34" charset="0"/>
+              <a:buChar char="•"/>
+            </a:pPr>
+            <a:r>
+              <a:rPr lang="en-US" b="0" i="0" dirty="0">
+                <a:solidFill>
+                  <a:srgbClr val="222222"/>
+                </a:solidFill>
+                <a:effectLst/>
+                <a:latin typeface="Lato" panose="020F0502020204030203" pitchFamily="34" charset="0"/>
+              </a:rPr>
+              <a:t>The output gate: Output Gate at LSTM selects the information to be shown as output.</a:t>
+            </a:r>
+          </a:p>
+          <a:p>
+            <a:pPr algn="l"/>
+            <a:r>
+              <a:rPr lang="en-US" b="0" i="0" dirty="0">
+                <a:solidFill>
+                  <a:srgbClr val="222222"/>
+                </a:solidFill>
+                <a:effectLst/>
+                <a:latin typeface="Lato" panose="020F0502020204030203" pitchFamily="34" charset="0"/>
+              </a:rPr>
+              <a:t> </a:t>
+            </a:r>
+          </a:p>
+          <a:p>
+            <a:pPr algn="l"/>
+            <a:r>
+              <a:rPr lang="en-US" b="0" i="0" dirty="0">
+                <a:solidFill>
+                  <a:srgbClr val="222222"/>
+                </a:solidFill>
+                <a:effectLst/>
+                <a:latin typeface="Lato" panose="020F0502020204030203" pitchFamily="34" charset="0"/>
+              </a:rPr>
+              <a:t>While Implementing any LSTM, we should always reshape our X train in 3-D, add 1 the reason behind is the time step and the 1 is given to the LSTM.</a:t>
+            </a:r>
+          </a:p>
+          <a:p>
+            <a:endParaRPr lang="en-CA" dirty="0"/>
+          </a:p>
+        </p:txBody>
+      </p:sp>
+    </p:spTree>
+    <p:extLst>
+      <p:ext uri="{BB962C8B-B14F-4D97-AF65-F5344CB8AC3E}">
+        <p14:creationId xmlns:p14="http://schemas.microsoft.com/office/powerpoint/2010/main" val="1648681116"/>
+      </p:ext>
+    </p:extLst>
+  </p:cSld>
+  <p:clrMapOvr>
+    <a:masterClrMapping/>
+  </p:clrMapOvr>
+</p:sld>
+</file>
+
+<file path=ppt/slides/slide7.xml><?xml version="1.0" encoding="utf-8"?>
+<p:sld xmlns:a="http://schemas.openxmlformats.org/drawingml/2006/main" xmlns:r="http://schemas.openxmlformats.org/officeDocument/2006/relationships" xmlns:p="http://schemas.openxmlformats.org/presentationml/2006/main">
+  <p:cSld>
+    <p:spTree>
+      <p:nvGrpSpPr>
+        <p:cNvPr id="1" name=""/>
+        <p:cNvGrpSpPr/>
+        <p:nvPr/>
+      </p:nvGrpSpPr>
+      <p:grpSpPr>
+        <a:xfrm>
+          <a:off x="0" y="0"/>
+          <a:ext cx="0" cy="0"/>
+          <a:chOff x="0" y="0"/>
+          <a:chExt cx="0" cy="0"/>
+        </a:xfrm>
+      </p:grpSpPr>
+      <p:sp>
+        <p:nvSpPr>
+          <p:cNvPr id="2" name="Title 1">
+            <a:extLst>
+              <a:ext uri="{FF2B5EF4-FFF2-40B4-BE49-F238E27FC236}">
+                <a16:creationId xmlns:a16="http://schemas.microsoft.com/office/drawing/2014/main" id="{EB9D2090-C024-2983-6055-39DB206B5C0F}"/>
+              </a:ext>
+            </a:extLst>
+          </p:cNvPr>
+          <p:cNvSpPr>
+            <a:spLocks noGrp="1"/>
+          </p:cNvSpPr>
+          <p:nvPr>
+            <p:ph type="title"/>
+          </p:nvPr>
+        </p:nvSpPr>
+        <p:spPr/>
+        <p:txBody>
+          <a:bodyPr/>
+          <a:lstStyle/>
+          <a:p>
+            <a:r>
+              <a:rPr lang="en-US"/>
+              <a:t>How this app works:</a:t>
+            </a:r>
+            <a:endParaRPr lang="en-CA"/>
+          </a:p>
+        </p:txBody>
+      </p:sp>
+      <p:sp>
+        <p:nvSpPr>
+          <p:cNvPr id="3" name="Content Placeholder 2">
+            <a:extLst>
+              <a:ext uri="{FF2B5EF4-FFF2-40B4-BE49-F238E27FC236}">
+                <a16:creationId xmlns:a16="http://schemas.microsoft.com/office/drawing/2014/main" id="{08C58477-DA2B-59C0-C29B-B55B08F0B91F}"/>
+              </a:ext>
+            </a:extLst>
+          </p:cNvPr>
+          <p:cNvSpPr>
+            <a:spLocks noGrp="1"/>
+          </p:cNvSpPr>
+          <p:nvPr>
+            <p:ph idx="1"/>
+          </p:nvPr>
+        </p:nvSpPr>
+        <p:spPr/>
+        <p:txBody>
+          <a:bodyPr/>
+          <a:lstStyle/>
+          <a:p>
+            <a:r>
+              <a:rPr lang="en-US" b="0" i="0" dirty="0">
+                <a:solidFill>
+                  <a:srgbClr val="222222"/>
+                </a:solidFill>
+                <a:effectLst/>
+                <a:latin typeface="Lato" panose="020F0502020204030203" pitchFamily="34" charset="0"/>
+              </a:rPr>
+              <a:t>We will be using a sequential model and adding the layers of the LSTM as said, in the above sentence. The first layer should be the time step in 1.</a:t>
+            </a:r>
+            <a:endParaRPr lang="en-CA" dirty="0"/>
+          </a:p>
+        </p:txBody>
+      </p:sp>
+    </p:spTree>
+    <p:extLst>
+      <p:ext uri="{BB962C8B-B14F-4D97-AF65-F5344CB8AC3E}">
+        <p14:creationId xmlns:p14="http://schemas.microsoft.com/office/powerpoint/2010/main" val="209785964"/>
+      </p:ext>
+    </p:extLst>
+  </p:cSld>
+  <p:clrMapOvr>
+    <a:masterClrMapping/>
+  </p:clrMapOvr>
+</p:sld>
+</file>
+
+<file path=ppt/slides/slide8.xml><?xml version="1.0" encoding="utf-8"?>
+<p:sld xmlns:a="http://schemas.openxmlformats.org/drawingml/2006/main" xmlns:r="http://schemas.openxmlformats.org/officeDocument/2006/relationships" xmlns:p="http://schemas.openxmlformats.org/presentationml/2006/main">
+  <p:cSld>
+    <p:spTree>
+      <p:nvGrpSpPr>
+        <p:cNvPr id="1" name=""/>
+        <p:cNvGrpSpPr/>
+        <p:nvPr/>
+      </p:nvGrpSpPr>
+      <p:grpSpPr>
+        <a:xfrm>
+          <a:off x="0" y="0"/>
+          <a:ext cx="0" cy="0"/>
+          <a:chOff x="0" y="0"/>
+          <a:chExt cx="0" cy="0"/>
+        </a:xfrm>
+      </p:grpSpPr>
+      <p:sp>
+        <p:nvSpPr>
+          <p:cNvPr id="2" name="Title 1">
+            <a:extLst>
+              <a:ext uri="{FF2B5EF4-FFF2-40B4-BE49-F238E27FC236}">
+                <a16:creationId xmlns:a16="http://schemas.microsoft.com/office/drawing/2014/main" id="{BF98B39D-AC17-6826-F8DF-080E7816A921}"/>
+              </a:ext>
+            </a:extLst>
+          </p:cNvPr>
+          <p:cNvSpPr>
+            <a:spLocks noGrp="1"/>
+          </p:cNvSpPr>
+          <p:nvPr>
+            <p:ph type="ctrTitle"/>
+          </p:nvPr>
+        </p:nvSpPr>
+        <p:spPr/>
+        <p:txBody>
+          <a:bodyPr/>
+          <a:lstStyle/>
+          <a:p>
+            <a:endParaRPr lang="en-CA" dirty="0"/>
+          </a:p>
+        </p:txBody>
+      </p:sp>
+      <p:sp>
+        <p:nvSpPr>
+          <p:cNvPr id="3" name="Subtitle 2">
+            <a:extLst>
+              <a:ext uri="{FF2B5EF4-FFF2-40B4-BE49-F238E27FC236}">
+                <a16:creationId xmlns:a16="http://schemas.microsoft.com/office/drawing/2014/main" id="{AAD57281-F512-8182-636A-2827A2E26494}"/>
+              </a:ext>
+            </a:extLst>
+          </p:cNvPr>
+          <p:cNvSpPr>
+            <a:spLocks noGrp="1"/>
+          </p:cNvSpPr>
+          <p:nvPr>
+            <p:ph type="subTitle" idx="1"/>
+          </p:nvPr>
+        </p:nvSpPr>
+        <p:spPr/>
+        <p:txBody>
+          <a:bodyPr/>
+          <a:lstStyle/>
+          <a:p>
+            <a:endParaRPr lang="en-CA"/>
+          </a:p>
+        </p:txBody>
+      </p:sp>
+    </p:spTree>
+    <p:extLst>
+      <p:ext uri="{BB962C8B-B14F-4D97-AF65-F5344CB8AC3E}">
+        <p14:creationId xmlns:p14="http://schemas.microsoft.com/office/powerpoint/2010/main" val="3277532773"/>
+      </p:ext>
+    </p:extLst>
+  </p:cSld>
+  <p:clrMapOvr>
+    <a:masterClrMapping/>
+  </p:clrMapOvr>
+</p:sld>
+</file>
+
+<file path=ppt/slides/slide9.xml><?xml version="1.0" encoding="utf-8"?>
 <p:sld xmlns:a="http://schemas.openxmlformats.org/drawingml/2006/main" xmlns:r="http://schemas.openxmlformats.org/officeDocument/2006/relationships" xmlns:p="http://schemas.openxmlformats.org/presentationml/2006/main">
   <p:cSld>
     <p:spTree>

--- a/Project 2.pptx
+++ b/Project 2.pptx
@@ -12,8 +12,7 @@
     <p:sldId id="259" r:id="rId6"/>
     <p:sldId id="263" r:id="rId7"/>
     <p:sldId id="264" r:id="rId8"/>
-    <p:sldId id="262" r:id="rId9"/>
-    <p:sldId id="261" r:id="rId10"/>
+    <p:sldId id="261" r:id="rId9"/>
   </p:sldIdLst>
   <p:sldSz cx="12192000" cy="6858000"/>
   <p:notesSz cx="6858000" cy="9144000"/>
@@ -388,7 +387,7 @@
           <a:p>
             <a:fld id="{FFF2A0F5-BD9E-CF41-91D0-E6D8933A4BC9}" type="datetimeFigureOut">
               <a:rPr lang="en-US" smtClean="0"/>
-              <a:t>6/22/2022</a:t>
+              <a:t>6/22/22</a:t>
             </a:fld>
             <a:endParaRPr lang="en-US"/>
           </a:p>
@@ -586,7 +585,7 @@
           <a:p>
             <a:fld id="{FFF2A0F5-BD9E-CF41-91D0-E6D8933A4BC9}" type="datetimeFigureOut">
               <a:rPr lang="en-US" smtClean="0"/>
-              <a:t>6/22/2022</a:t>
+              <a:t>6/22/22</a:t>
             </a:fld>
             <a:endParaRPr lang="en-US"/>
           </a:p>
@@ -794,7 +793,7 @@
           <a:p>
             <a:fld id="{FFF2A0F5-BD9E-CF41-91D0-E6D8933A4BC9}" type="datetimeFigureOut">
               <a:rPr lang="en-US" smtClean="0"/>
-              <a:t>6/22/2022</a:t>
+              <a:t>6/22/22</a:t>
             </a:fld>
             <a:endParaRPr lang="en-US"/>
           </a:p>
@@ -992,7 +991,7 @@
           <a:p>
             <a:fld id="{FFF2A0F5-BD9E-CF41-91D0-E6D8933A4BC9}" type="datetimeFigureOut">
               <a:rPr lang="en-US" smtClean="0"/>
-              <a:t>6/22/2022</a:t>
+              <a:t>6/22/22</a:t>
             </a:fld>
             <a:endParaRPr lang="en-US"/>
           </a:p>
@@ -1267,7 +1266,7 @@
           <a:p>
             <a:fld id="{FFF2A0F5-BD9E-CF41-91D0-E6D8933A4BC9}" type="datetimeFigureOut">
               <a:rPr lang="en-US" smtClean="0"/>
-              <a:t>6/22/2022</a:t>
+              <a:t>6/22/22</a:t>
             </a:fld>
             <a:endParaRPr lang="en-US"/>
           </a:p>
@@ -1532,7 +1531,7 @@
           <a:p>
             <a:fld id="{FFF2A0F5-BD9E-CF41-91D0-E6D8933A4BC9}" type="datetimeFigureOut">
               <a:rPr lang="en-US" smtClean="0"/>
-              <a:t>6/22/2022</a:t>
+              <a:t>6/22/22</a:t>
             </a:fld>
             <a:endParaRPr lang="en-US"/>
           </a:p>
@@ -1944,7 +1943,7 @@
           <a:p>
             <a:fld id="{FFF2A0F5-BD9E-CF41-91D0-E6D8933A4BC9}" type="datetimeFigureOut">
               <a:rPr lang="en-US" smtClean="0"/>
-              <a:t>6/22/2022</a:t>
+              <a:t>6/22/22</a:t>
             </a:fld>
             <a:endParaRPr lang="en-US"/>
           </a:p>
@@ -2085,7 +2084,7 @@
           <a:p>
             <a:fld id="{FFF2A0F5-BD9E-CF41-91D0-E6D8933A4BC9}" type="datetimeFigureOut">
               <a:rPr lang="en-US" smtClean="0"/>
-              <a:t>6/22/2022</a:t>
+              <a:t>6/22/22</a:t>
             </a:fld>
             <a:endParaRPr lang="en-US"/>
           </a:p>
@@ -2198,7 +2197,7 @@
           <a:p>
             <a:fld id="{FFF2A0F5-BD9E-CF41-91D0-E6D8933A4BC9}" type="datetimeFigureOut">
               <a:rPr lang="en-US" smtClean="0"/>
-              <a:t>6/22/2022</a:t>
+              <a:t>6/22/22</a:t>
             </a:fld>
             <a:endParaRPr lang="en-US"/>
           </a:p>
@@ -2509,7 +2508,7 @@
           <a:p>
             <a:fld id="{FFF2A0F5-BD9E-CF41-91D0-E6D8933A4BC9}" type="datetimeFigureOut">
               <a:rPr lang="en-US" smtClean="0"/>
-              <a:t>6/22/2022</a:t>
+              <a:t>6/22/22</a:t>
             </a:fld>
             <a:endParaRPr lang="en-US"/>
           </a:p>
@@ -2797,7 +2796,7 @@
           <a:p>
             <a:fld id="{FFF2A0F5-BD9E-CF41-91D0-E6D8933A4BC9}" type="datetimeFigureOut">
               <a:rPr lang="en-US" smtClean="0"/>
-              <a:t>6/22/2022</a:t>
+              <a:t>6/22/22</a:t>
             </a:fld>
             <a:endParaRPr lang="en-US"/>
           </a:p>
@@ -3038,7 +3037,7 @@
           <a:p>
             <a:fld id="{FFF2A0F5-BD9E-CF41-91D0-E6D8933A4BC9}" type="datetimeFigureOut">
               <a:rPr lang="en-US" smtClean="0"/>
-              <a:t>6/22/2022</a:t>
+              <a:t>6/22/22</a:t>
             </a:fld>
             <a:endParaRPr lang="en-US"/>
           </a:p>
@@ -3805,7 +3804,7 @@
           <a:p>
             <a:r>
               <a:rPr lang="en-US" dirty="0"/>
-              <a:t>The project’s main focus:</a:t>
+              <a:t>The project’s focus:</a:t>
             </a:r>
           </a:p>
         </p:txBody>
@@ -4053,7 +4052,7 @@
         <p:spPr/>
         <p:txBody>
           <a:bodyPr>
-            <a:normAutofit fontScale="85000" lnSpcReduction="20000"/>
+            <a:normAutofit fontScale="92500" lnSpcReduction="20000"/>
           </a:bodyPr>
           <a:lstStyle/>
           <a:p>
@@ -4128,19 +4127,6 @@
                 <a:latin typeface="Lato" panose="020F0502020204030203" pitchFamily="34" charset="0"/>
               </a:rPr>
               <a:t>The output gate: Output Gate at LSTM selects the information to be shown as output.</a:t>
-            </a:r>
-          </a:p>
-          <a:p>
-            <a:pPr algn="l"/>
-            <a:r>
-              <a:rPr lang="en-US" b="0" i="0" dirty="0">
-                <a:solidFill>
-                  <a:srgbClr val="222222"/>
-                </a:solidFill>
-                <a:effectLst/>
-                <a:latin typeface="Lato" panose="020F0502020204030203" pitchFamily="34" charset="0"/>
-              </a:rPr>
-              <a:t> </a:t>
             </a:r>
           </a:p>
           <a:p>
@@ -4269,86 +4255,6 @@
 </file>
 
 <file path=ppt/slides/slide8.xml><?xml version="1.0" encoding="utf-8"?>
-<p:sld xmlns:a="http://schemas.openxmlformats.org/drawingml/2006/main" xmlns:r="http://schemas.openxmlformats.org/officeDocument/2006/relationships" xmlns:p="http://schemas.openxmlformats.org/presentationml/2006/main">
-  <p:cSld>
-    <p:spTree>
-      <p:nvGrpSpPr>
-        <p:cNvPr id="1" name=""/>
-        <p:cNvGrpSpPr/>
-        <p:nvPr/>
-      </p:nvGrpSpPr>
-      <p:grpSpPr>
-        <a:xfrm>
-          <a:off x="0" y="0"/>
-          <a:ext cx="0" cy="0"/>
-          <a:chOff x="0" y="0"/>
-          <a:chExt cx="0" cy="0"/>
-        </a:xfrm>
-      </p:grpSpPr>
-      <p:sp>
-        <p:nvSpPr>
-          <p:cNvPr id="2" name="Title 1">
-            <a:extLst>
-              <a:ext uri="{FF2B5EF4-FFF2-40B4-BE49-F238E27FC236}">
-                <a16:creationId xmlns:a16="http://schemas.microsoft.com/office/drawing/2014/main" id="{BF98B39D-AC17-6826-F8DF-080E7816A921}"/>
-              </a:ext>
-            </a:extLst>
-          </p:cNvPr>
-          <p:cNvSpPr>
-            <a:spLocks noGrp="1"/>
-          </p:cNvSpPr>
-          <p:nvPr>
-            <p:ph type="ctrTitle"/>
-          </p:nvPr>
-        </p:nvSpPr>
-        <p:spPr/>
-        <p:txBody>
-          <a:bodyPr/>
-          <a:lstStyle/>
-          <a:p>
-            <a:endParaRPr lang="en-CA" dirty="0"/>
-          </a:p>
-        </p:txBody>
-      </p:sp>
-      <p:sp>
-        <p:nvSpPr>
-          <p:cNvPr id="3" name="Subtitle 2">
-            <a:extLst>
-              <a:ext uri="{FF2B5EF4-FFF2-40B4-BE49-F238E27FC236}">
-                <a16:creationId xmlns:a16="http://schemas.microsoft.com/office/drawing/2014/main" id="{AAD57281-F512-8182-636A-2827A2E26494}"/>
-              </a:ext>
-            </a:extLst>
-          </p:cNvPr>
-          <p:cNvSpPr>
-            <a:spLocks noGrp="1"/>
-          </p:cNvSpPr>
-          <p:nvPr>
-            <p:ph type="subTitle" idx="1"/>
-          </p:nvPr>
-        </p:nvSpPr>
-        <p:spPr/>
-        <p:txBody>
-          <a:bodyPr/>
-          <a:lstStyle/>
-          <a:p>
-            <a:endParaRPr lang="en-CA"/>
-          </a:p>
-        </p:txBody>
-      </p:sp>
-    </p:spTree>
-    <p:extLst>
-      <p:ext uri="{BB962C8B-B14F-4D97-AF65-F5344CB8AC3E}">
-        <p14:creationId xmlns:p14="http://schemas.microsoft.com/office/powerpoint/2010/main" val="3277532773"/>
-      </p:ext>
-    </p:extLst>
-  </p:cSld>
-  <p:clrMapOvr>
-    <a:masterClrMapping/>
-  </p:clrMapOvr>
-</p:sld>
-</file>
-
-<file path=ppt/slides/slide9.xml><?xml version="1.0" encoding="utf-8"?>
 <p:sld xmlns:a="http://schemas.openxmlformats.org/drawingml/2006/main" xmlns:r="http://schemas.openxmlformats.org/officeDocument/2006/relationships" xmlns:p="http://schemas.openxmlformats.org/presentationml/2006/main">
   <p:cSld>
     <p:spTree>
